--- a/I1/Current_Working_Directory/E2/ABM E2 Presentation.pptx
+++ b/I1/Current_Working_Directory/E2/ABM E2 Presentation.pptx
@@ -129,6 +129,11 @@
       </a:defRPr>
     </a:lvl9pPr>
   </p:defaultTextStyle>
+  <p:extLst>
+    <p:ext uri="{EFAFB233-063F-42B5-8137-9DF3F51BA10A}">
+      <p15:sldGuideLst xmlns:p15="http://schemas.microsoft.com/office/powerpoint/2012/main"/>
+    </p:ext>
+  </p:extLst>
 </p:presentation>
 </file>
 
@@ -318,7 +323,7 @@
           <a:p>
             <a:fld id="{50E05FD0-DE2A-4898-8EBE-CC4DFB80DF32}" type="datetimeFigureOut">
               <a:rPr lang="bg-BG" smtClean="0"/>
-              <a:t>29.1.2016 г.</a:t>
+              <a:t>10.2.2016 г.</a:t>
             </a:fld>
             <a:endParaRPr lang="bg-BG"/>
           </a:p>
@@ -593,7 +598,7 @@
           <a:p>
             <a:fld id="{50E05FD0-DE2A-4898-8EBE-CC4DFB80DF32}" type="datetimeFigureOut">
               <a:rPr lang="bg-BG" smtClean="0"/>
-              <a:t>29.1.2016 г.</a:t>
+              <a:t>10.2.2016 г.</a:t>
             </a:fld>
             <a:endParaRPr lang="bg-BG"/>
           </a:p>
@@ -787,7 +792,7 @@
           <a:p>
             <a:fld id="{50E05FD0-DE2A-4898-8EBE-CC4DFB80DF32}" type="datetimeFigureOut">
               <a:rPr lang="bg-BG" smtClean="0"/>
-              <a:t>29.1.2016 г.</a:t>
+              <a:t>10.2.2016 г.</a:t>
             </a:fld>
             <a:endParaRPr lang="bg-BG"/>
           </a:p>
@@ -1060,7 +1065,7 @@
           <a:p>
             <a:fld id="{50E05FD0-DE2A-4898-8EBE-CC4DFB80DF32}" type="datetimeFigureOut">
               <a:rPr lang="bg-BG" smtClean="0"/>
-              <a:t>29.1.2016 г.</a:t>
+              <a:t>10.2.2016 г.</a:t>
             </a:fld>
             <a:endParaRPr lang="bg-BG"/>
           </a:p>
@@ -1401,7 +1406,7 @@
           <a:p>
             <a:fld id="{50E05FD0-DE2A-4898-8EBE-CC4DFB80DF32}" type="datetimeFigureOut">
               <a:rPr lang="bg-BG" smtClean="0"/>
-              <a:t>29.1.2016 г.</a:t>
+              <a:t>10.2.2016 г.</a:t>
             </a:fld>
             <a:endParaRPr lang="bg-BG"/>
           </a:p>
@@ -2024,7 +2029,7 @@
           <a:p>
             <a:fld id="{50E05FD0-DE2A-4898-8EBE-CC4DFB80DF32}" type="datetimeFigureOut">
               <a:rPr lang="bg-BG" smtClean="0"/>
-              <a:t>29.1.2016 г.</a:t>
+              <a:t>10.2.2016 г.</a:t>
             </a:fld>
             <a:endParaRPr lang="bg-BG"/>
           </a:p>
@@ -2884,7 +2889,7 @@
           <a:p>
             <a:fld id="{50E05FD0-DE2A-4898-8EBE-CC4DFB80DF32}" type="datetimeFigureOut">
               <a:rPr lang="bg-BG" smtClean="0"/>
-              <a:t>29.1.2016 г.</a:t>
+              <a:t>10.2.2016 г.</a:t>
             </a:fld>
             <a:endParaRPr lang="bg-BG"/>
           </a:p>
@@ -3054,7 +3059,7 @@
           <a:p>
             <a:fld id="{50E05FD0-DE2A-4898-8EBE-CC4DFB80DF32}" type="datetimeFigureOut">
               <a:rPr lang="bg-BG" smtClean="0"/>
-              <a:t>29.1.2016 г.</a:t>
+              <a:t>10.2.2016 г.</a:t>
             </a:fld>
             <a:endParaRPr lang="bg-BG"/>
           </a:p>
@@ -3234,7 +3239,7 @@
           <a:p>
             <a:fld id="{50E05FD0-DE2A-4898-8EBE-CC4DFB80DF32}" type="datetimeFigureOut">
               <a:rPr lang="bg-BG" smtClean="0"/>
-              <a:t>29.1.2016 г.</a:t>
+              <a:t>10.2.2016 г.</a:t>
             </a:fld>
             <a:endParaRPr lang="bg-BG"/>
           </a:p>
@@ -3404,7 +3409,7 @@
           <a:p>
             <a:fld id="{50E05FD0-DE2A-4898-8EBE-CC4DFB80DF32}" type="datetimeFigureOut">
               <a:rPr lang="bg-BG" smtClean="0"/>
-              <a:t>29.1.2016 г.</a:t>
+              <a:t>10.2.2016 г.</a:t>
             </a:fld>
             <a:endParaRPr lang="bg-BG"/>
           </a:p>
@@ -3651,7 +3656,7 @@
           <a:p>
             <a:fld id="{50E05FD0-DE2A-4898-8EBE-CC4DFB80DF32}" type="datetimeFigureOut">
               <a:rPr lang="bg-BG" smtClean="0"/>
-              <a:t>29.1.2016 г.</a:t>
+              <a:t>10.2.2016 г.</a:t>
             </a:fld>
             <a:endParaRPr lang="bg-BG"/>
           </a:p>
@@ -3943,7 +3948,7 @@
           <a:p>
             <a:fld id="{50E05FD0-DE2A-4898-8EBE-CC4DFB80DF32}" type="datetimeFigureOut">
               <a:rPr lang="bg-BG" smtClean="0"/>
-              <a:t>29.1.2016 г.</a:t>
+              <a:t>10.2.2016 г.</a:t>
             </a:fld>
             <a:endParaRPr lang="bg-BG"/>
           </a:p>
@@ -4387,7 +4392,7 @@
           <a:p>
             <a:fld id="{50E05FD0-DE2A-4898-8EBE-CC4DFB80DF32}" type="datetimeFigureOut">
               <a:rPr lang="bg-BG" smtClean="0"/>
-              <a:t>29.1.2016 г.</a:t>
+              <a:t>10.2.2016 г.</a:t>
             </a:fld>
             <a:endParaRPr lang="bg-BG"/>
           </a:p>
@@ -4505,7 +4510,7 @@
           <a:p>
             <a:fld id="{50E05FD0-DE2A-4898-8EBE-CC4DFB80DF32}" type="datetimeFigureOut">
               <a:rPr lang="bg-BG" smtClean="0"/>
-              <a:t>29.1.2016 г.</a:t>
+              <a:t>10.2.2016 г.</a:t>
             </a:fld>
             <a:endParaRPr lang="bg-BG"/>
           </a:p>
@@ -4600,7 +4605,7 @@
           <a:p>
             <a:fld id="{50E05FD0-DE2A-4898-8EBE-CC4DFB80DF32}" type="datetimeFigureOut">
               <a:rPr lang="bg-BG" smtClean="0"/>
-              <a:t>29.1.2016 г.</a:t>
+              <a:t>10.2.2016 г.</a:t>
             </a:fld>
             <a:endParaRPr lang="bg-BG"/>
           </a:p>
@@ -4879,7 +4884,7 @@
           <a:p>
             <a:fld id="{50E05FD0-DE2A-4898-8EBE-CC4DFB80DF32}" type="datetimeFigureOut">
               <a:rPr lang="bg-BG" smtClean="0"/>
-              <a:t>29.1.2016 г.</a:t>
+              <a:t>10.2.2016 г.</a:t>
             </a:fld>
             <a:endParaRPr lang="bg-BG"/>
           </a:p>
@@ -5154,7 +5159,7 @@
           <a:p>
             <a:fld id="{50E05FD0-DE2A-4898-8EBE-CC4DFB80DF32}" type="datetimeFigureOut">
               <a:rPr lang="bg-BG" smtClean="0"/>
-              <a:t>29.1.2016 г.</a:t>
+              <a:t>10.2.2016 г.</a:t>
             </a:fld>
             <a:endParaRPr lang="bg-BG"/>
           </a:p>
@@ -5583,7 +5588,7 @@
           <a:p>
             <a:fld id="{50E05FD0-DE2A-4898-8EBE-CC4DFB80DF32}" type="datetimeFigureOut">
               <a:rPr lang="bg-BG" smtClean="0"/>
-              <a:t>29.1.2016 г.</a:t>
+              <a:t>10.2.2016 г.</a:t>
             </a:fld>
             <a:endParaRPr lang="bg-BG"/>
           </a:p>
@@ -6222,8 +6227,8 @@
           <a:lstStyle/>
           <a:p>
             <a:r>
-              <a:rPr lang="bg-BG" dirty="0" smtClean="0"/>
-              <a:t>Дата Модел</a:t>
+              <a:rPr lang="en-US" dirty="0" smtClean="0"/>
+              <a:t>Data model</a:t>
             </a:r>
             <a:endParaRPr lang="bg-BG" dirty="0"/>
           </a:p>
@@ -6719,7 +6724,7 @@
           <a:p>
             <a:r>
               <a:rPr lang="bg-BG" dirty="0" smtClean="0"/>
-              <a:t>Дата Модел</a:t>
+              <a:t>Модел на данните</a:t>
             </a:r>
             <a:endParaRPr lang="bg-BG" dirty="0"/>
           </a:p>
@@ -8292,7 +8297,7 @@
           <a:p>
             <a:r>
               <a:rPr lang="bg-BG" dirty="0" smtClean="0"/>
-              <a:t>Дата Модел</a:t>
+              <a:t>Модел на данните</a:t>
             </a:r>
             <a:endParaRPr lang="bg-BG" dirty="0"/>
           </a:p>
@@ -21183,7 +21188,7 @@
           <a:p>
             <a:r>
               <a:rPr lang="bg-BG" dirty="0" smtClean="0"/>
-              <a:t>Дата Модел</a:t>
+              <a:t>Модел на данните</a:t>
             </a:r>
             <a:endParaRPr lang="bg-BG" dirty="0"/>
           </a:p>
@@ -21341,8 +21346,12 @@
           <a:lstStyle/>
           <a:p>
             <a:r>
-              <a:rPr lang="bg-BG" dirty="0" smtClean="0"/>
-              <a:t>Дата Модел</a:t>
+              <a:rPr lang="en-US" dirty="0" smtClean="0"/>
+              <a:t>Dat</a:t>
+            </a:r>
+            <a:r>
+              <a:rPr lang="en-US" dirty="0" smtClean="0"/>
+              <a:t>a model</a:t>
             </a:r>
             <a:endParaRPr lang="bg-BG" dirty="0"/>
           </a:p>
@@ -21816,7 +21825,7 @@
           <a:p>
             <a:r>
               <a:rPr lang="bg-BG" dirty="0" smtClean="0"/>
-              <a:t>Дата Модел</a:t>
+              <a:t>Модел на данните</a:t>
             </a:r>
             <a:endParaRPr lang="bg-BG" dirty="0"/>
           </a:p>

--- a/I1/Current_Working_Directory/E2/ABM E2 Presentation.pptx
+++ b/I1/Current_Working_Directory/E2/ABM E2 Presentation.pptx
@@ -31,6 +31,9 @@
     <p:sldId id="280" r:id="rId25"/>
     <p:sldId id="281" r:id="rId26"/>
     <p:sldId id="282" r:id="rId27"/>
+    <p:sldId id="285" r:id="rId28"/>
+    <p:sldId id="284" r:id="rId29"/>
+    <p:sldId id="286" r:id="rId30"/>
   </p:sldIdLst>
   <p:sldSz cx="12192000" cy="6858000"/>
   <p:notesSz cx="6858000" cy="9144000"/>
@@ -129,6 +132,11 @@
       </a:defRPr>
     </a:lvl9pPr>
   </p:defaultTextStyle>
+  <p:extLst>
+    <p:ext uri="{EFAFB233-063F-42B5-8137-9DF3F51BA10A}">
+      <p15:sldGuideLst xmlns:p15="http://schemas.microsoft.com/office/powerpoint/2012/main"/>
+    </p:ext>
+  </p:extLst>
 </p:presentation>
 </file>
 
@@ -318,7 +326,7 @@
           <a:p>
             <a:fld id="{50E05FD0-DE2A-4898-8EBE-CC4DFB80DF32}" type="datetimeFigureOut">
               <a:rPr lang="bg-BG" smtClean="0"/>
-              <a:t>29.1.2016 г.</a:t>
+              <a:t>20.2.2016 г.</a:t>
             </a:fld>
             <a:endParaRPr lang="bg-BG"/>
           </a:p>
@@ -593,7 +601,7 @@
           <a:p>
             <a:fld id="{50E05FD0-DE2A-4898-8EBE-CC4DFB80DF32}" type="datetimeFigureOut">
               <a:rPr lang="bg-BG" smtClean="0"/>
-              <a:t>29.1.2016 г.</a:t>
+              <a:t>20.2.2016 г.</a:t>
             </a:fld>
             <a:endParaRPr lang="bg-BG"/>
           </a:p>
@@ -787,7 +795,7 @@
           <a:p>
             <a:fld id="{50E05FD0-DE2A-4898-8EBE-CC4DFB80DF32}" type="datetimeFigureOut">
               <a:rPr lang="bg-BG" smtClean="0"/>
-              <a:t>29.1.2016 г.</a:t>
+              <a:t>20.2.2016 г.</a:t>
             </a:fld>
             <a:endParaRPr lang="bg-BG"/>
           </a:p>
@@ -1060,7 +1068,7 @@
           <a:p>
             <a:fld id="{50E05FD0-DE2A-4898-8EBE-CC4DFB80DF32}" type="datetimeFigureOut">
               <a:rPr lang="bg-BG" smtClean="0"/>
-              <a:t>29.1.2016 г.</a:t>
+              <a:t>20.2.2016 г.</a:t>
             </a:fld>
             <a:endParaRPr lang="bg-BG"/>
           </a:p>
@@ -1401,7 +1409,7 @@
           <a:p>
             <a:fld id="{50E05FD0-DE2A-4898-8EBE-CC4DFB80DF32}" type="datetimeFigureOut">
               <a:rPr lang="bg-BG" smtClean="0"/>
-              <a:t>29.1.2016 г.</a:t>
+              <a:t>20.2.2016 г.</a:t>
             </a:fld>
             <a:endParaRPr lang="bg-BG"/>
           </a:p>
@@ -2024,7 +2032,7 @@
           <a:p>
             <a:fld id="{50E05FD0-DE2A-4898-8EBE-CC4DFB80DF32}" type="datetimeFigureOut">
               <a:rPr lang="bg-BG" smtClean="0"/>
-              <a:t>29.1.2016 г.</a:t>
+              <a:t>20.2.2016 г.</a:t>
             </a:fld>
             <a:endParaRPr lang="bg-BG"/>
           </a:p>
@@ -2884,7 +2892,7 @@
           <a:p>
             <a:fld id="{50E05FD0-DE2A-4898-8EBE-CC4DFB80DF32}" type="datetimeFigureOut">
               <a:rPr lang="bg-BG" smtClean="0"/>
-              <a:t>29.1.2016 г.</a:t>
+              <a:t>20.2.2016 г.</a:t>
             </a:fld>
             <a:endParaRPr lang="bg-BG"/>
           </a:p>
@@ -3054,7 +3062,7 @@
           <a:p>
             <a:fld id="{50E05FD0-DE2A-4898-8EBE-CC4DFB80DF32}" type="datetimeFigureOut">
               <a:rPr lang="bg-BG" smtClean="0"/>
-              <a:t>29.1.2016 г.</a:t>
+              <a:t>20.2.2016 г.</a:t>
             </a:fld>
             <a:endParaRPr lang="bg-BG"/>
           </a:p>
@@ -3234,7 +3242,7 @@
           <a:p>
             <a:fld id="{50E05FD0-DE2A-4898-8EBE-CC4DFB80DF32}" type="datetimeFigureOut">
               <a:rPr lang="bg-BG" smtClean="0"/>
-              <a:t>29.1.2016 г.</a:t>
+              <a:t>20.2.2016 г.</a:t>
             </a:fld>
             <a:endParaRPr lang="bg-BG"/>
           </a:p>
@@ -3404,7 +3412,7 @@
           <a:p>
             <a:fld id="{50E05FD0-DE2A-4898-8EBE-CC4DFB80DF32}" type="datetimeFigureOut">
               <a:rPr lang="bg-BG" smtClean="0"/>
-              <a:t>29.1.2016 г.</a:t>
+              <a:t>20.2.2016 г.</a:t>
             </a:fld>
             <a:endParaRPr lang="bg-BG"/>
           </a:p>
@@ -3651,7 +3659,7 @@
           <a:p>
             <a:fld id="{50E05FD0-DE2A-4898-8EBE-CC4DFB80DF32}" type="datetimeFigureOut">
               <a:rPr lang="bg-BG" smtClean="0"/>
-              <a:t>29.1.2016 г.</a:t>
+              <a:t>20.2.2016 г.</a:t>
             </a:fld>
             <a:endParaRPr lang="bg-BG"/>
           </a:p>
@@ -3943,7 +3951,7 @@
           <a:p>
             <a:fld id="{50E05FD0-DE2A-4898-8EBE-CC4DFB80DF32}" type="datetimeFigureOut">
               <a:rPr lang="bg-BG" smtClean="0"/>
-              <a:t>29.1.2016 г.</a:t>
+              <a:t>20.2.2016 г.</a:t>
             </a:fld>
             <a:endParaRPr lang="bg-BG"/>
           </a:p>
@@ -4387,7 +4395,7 @@
           <a:p>
             <a:fld id="{50E05FD0-DE2A-4898-8EBE-CC4DFB80DF32}" type="datetimeFigureOut">
               <a:rPr lang="bg-BG" smtClean="0"/>
-              <a:t>29.1.2016 г.</a:t>
+              <a:t>20.2.2016 г.</a:t>
             </a:fld>
             <a:endParaRPr lang="bg-BG"/>
           </a:p>
@@ -4505,7 +4513,7 @@
           <a:p>
             <a:fld id="{50E05FD0-DE2A-4898-8EBE-CC4DFB80DF32}" type="datetimeFigureOut">
               <a:rPr lang="bg-BG" smtClean="0"/>
-              <a:t>29.1.2016 г.</a:t>
+              <a:t>20.2.2016 г.</a:t>
             </a:fld>
             <a:endParaRPr lang="bg-BG"/>
           </a:p>
@@ -4600,7 +4608,7 @@
           <a:p>
             <a:fld id="{50E05FD0-DE2A-4898-8EBE-CC4DFB80DF32}" type="datetimeFigureOut">
               <a:rPr lang="bg-BG" smtClean="0"/>
-              <a:t>29.1.2016 г.</a:t>
+              <a:t>20.2.2016 г.</a:t>
             </a:fld>
             <a:endParaRPr lang="bg-BG"/>
           </a:p>
@@ -4879,7 +4887,7 @@
           <a:p>
             <a:fld id="{50E05FD0-DE2A-4898-8EBE-CC4DFB80DF32}" type="datetimeFigureOut">
               <a:rPr lang="bg-BG" smtClean="0"/>
-              <a:t>29.1.2016 г.</a:t>
+              <a:t>20.2.2016 г.</a:t>
             </a:fld>
             <a:endParaRPr lang="bg-BG"/>
           </a:p>
@@ -5154,7 +5162,7 @@
           <a:p>
             <a:fld id="{50E05FD0-DE2A-4898-8EBE-CC4DFB80DF32}" type="datetimeFigureOut">
               <a:rPr lang="bg-BG" smtClean="0"/>
-              <a:t>29.1.2016 г.</a:t>
+              <a:t>20.2.2016 г.</a:t>
             </a:fld>
             <a:endParaRPr lang="bg-BG"/>
           </a:p>
@@ -5583,7 +5591,7 @@
           <a:p>
             <a:fld id="{50E05FD0-DE2A-4898-8EBE-CC4DFB80DF32}" type="datetimeFigureOut">
               <a:rPr lang="bg-BG" smtClean="0"/>
-              <a:t>29.1.2016 г.</a:t>
+              <a:t>20.2.2016 г.</a:t>
             </a:fld>
             <a:endParaRPr lang="bg-BG"/>
           </a:p>
@@ -6297,8 +6305,20 @@
                 <a:tableStyleId>{7DF18680-E054-41AD-8BC1-D1AEF772440D}</a:tableStyleId>
               </a:tblPr>
               <a:tblGrid>
-                <a:gridCol w="1713552"/>
-                <a:gridCol w="1713552"/>
+                <a:gridCol w="1713552">
+                  <a:extLst>
+                    <a:ext uri="{9D8B030D-6E8A-4147-A177-3AD203B41FA5}">
+                      <a16:colId xmlns:a16="http://schemas.microsoft.com/office/drawing/2014/main" val="20000"/>
+                    </a:ext>
+                  </a:extLst>
+                </a:gridCol>
+                <a:gridCol w="1713552">
+                  <a:extLst>
+                    <a:ext uri="{9D8B030D-6E8A-4147-A177-3AD203B41FA5}">
+                      <a16:colId xmlns:a16="http://schemas.microsoft.com/office/drawing/2014/main" val="20001"/>
+                    </a:ext>
+                  </a:extLst>
+                </a:gridCol>
               </a:tblGrid>
               <a:tr h="328279">
                 <a:tc>
@@ -6329,6 +6349,11 @@
                   </a:txBody>
                   <a:tcPr/>
                 </a:tc>
+                <a:extLst>
+                  <a:ext uri="{0D108BD9-81ED-4DB2-BD59-A6C34878D82A}">
+                    <a16:rowId xmlns:a16="http://schemas.microsoft.com/office/drawing/2014/main" val="10000"/>
+                  </a:ext>
+                </a:extLst>
               </a:tr>
               <a:tr h="328279">
                 <a:tc>
@@ -6359,6 +6384,11 @@
                   </a:txBody>
                   <a:tcPr/>
                 </a:tc>
+                <a:extLst>
+                  <a:ext uri="{0D108BD9-81ED-4DB2-BD59-A6C34878D82A}">
+                    <a16:rowId xmlns:a16="http://schemas.microsoft.com/office/drawing/2014/main" val="10001"/>
+                  </a:ext>
+                </a:extLst>
               </a:tr>
               <a:tr h="328279">
                 <a:tc>
@@ -6389,6 +6419,11 @@
                   </a:txBody>
                   <a:tcPr/>
                 </a:tc>
+                <a:extLst>
+                  <a:ext uri="{0D108BD9-81ED-4DB2-BD59-A6C34878D82A}">
+                    <a16:rowId xmlns:a16="http://schemas.microsoft.com/office/drawing/2014/main" val="10002"/>
+                  </a:ext>
+                </a:extLst>
               </a:tr>
               <a:tr h="328279">
                 <a:tc>
@@ -6419,6 +6454,11 @@
                   </a:txBody>
                   <a:tcPr/>
                 </a:tc>
+                <a:extLst>
+                  <a:ext uri="{0D108BD9-81ED-4DB2-BD59-A6C34878D82A}">
+                    <a16:rowId xmlns:a16="http://schemas.microsoft.com/office/drawing/2014/main" val="10003"/>
+                  </a:ext>
+                </a:extLst>
               </a:tr>
               <a:tr h="328279">
                 <a:tc>
@@ -6449,6 +6489,11 @@
                   </a:txBody>
                   <a:tcPr/>
                 </a:tc>
+                <a:extLst>
+                  <a:ext uri="{0D108BD9-81ED-4DB2-BD59-A6C34878D82A}">
+                    <a16:rowId xmlns:a16="http://schemas.microsoft.com/office/drawing/2014/main" val="10004"/>
+                  </a:ext>
+                </a:extLst>
               </a:tr>
               <a:tr h="328279">
                 <a:tc>
@@ -6479,6 +6524,11 @@
                   </a:txBody>
                   <a:tcPr/>
                 </a:tc>
+                <a:extLst>
+                  <a:ext uri="{0D108BD9-81ED-4DB2-BD59-A6C34878D82A}">
+                    <a16:rowId xmlns:a16="http://schemas.microsoft.com/office/drawing/2014/main" val="10005"/>
+                  </a:ext>
+                </a:extLst>
               </a:tr>
             </a:tbl>
           </a:graphicData>
@@ -6509,8 +6559,20 @@
                 <a:tableStyleId>{7DF18680-E054-41AD-8BC1-D1AEF772440D}</a:tableStyleId>
               </a:tblPr>
               <a:tblGrid>
-                <a:gridCol w="1713552"/>
-                <a:gridCol w="1713552"/>
+                <a:gridCol w="1713552">
+                  <a:extLst>
+                    <a:ext uri="{9D8B030D-6E8A-4147-A177-3AD203B41FA5}">
+                      <a16:colId xmlns:a16="http://schemas.microsoft.com/office/drawing/2014/main" val="20000"/>
+                    </a:ext>
+                  </a:extLst>
+                </a:gridCol>
+                <a:gridCol w="1713552">
+                  <a:extLst>
+                    <a:ext uri="{9D8B030D-6E8A-4147-A177-3AD203B41FA5}">
+                      <a16:colId xmlns:a16="http://schemas.microsoft.com/office/drawing/2014/main" val="20001"/>
+                    </a:ext>
+                  </a:extLst>
+                </a:gridCol>
               </a:tblGrid>
               <a:tr h="328279">
                 <a:tc>
@@ -6541,6 +6603,11 @@
                   </a:txBody>
                   <a:tcPr/>
                 </a:tc>
+                <a:extLst>
+                  <a:ext uri="{0D108BD9-81ED-4DB2-BD59-A6C34878D82A}">
+                    <a16:rowId xmlns:a16="http://schemas.microsoft.com/office/drawing/2014/main" val="10000"/>
+                  </a:ext>
+                </a:extLst>
               </a:tr>
               <a:tr h="328279">
                 <a:tc>
@@ -6571,6 +6638,11 @@
                   </a:txBody>
                   <a:tcPr/>
                 </a:tc>
+                <a:extLst>
+                  <a:ext uri="{0D108BD9-81ED-4DB2-BD59-A6C34878D82A}">
+                    <a16:rowId xmlns:a16="http://schemas.microsoft.com/office/drawing/2014/main" val="10001"/>
+                  </a:ext>
+                </a:extLst>
               </a:tr>
               <a:tr h="328279">
                 <a:tc>
@@ -6601,6 +6673,11 @@
                   </a:txBody>
                   <a:tcPr/>
                 </a:tc>
+                <a:extLst>
+                  <a:ext uri="{0D108BD9-81ED-4DB2-BD59-A6C34878D82A}">
+                    <a16:rowId xmlns:a16="http://schemas.microsoft.com/office/drawing/2014/main" val="10002"/>
+                  </a:ext>
+                </a:extLst>
               </a:tr>
               <a:tr h="328279">
                 <a:tc>
@@ -6631,6 +6708,11 @@
                   </a:txBody>
                   <a:tcPr/>
                 </a:tc>
+                <a:extLst>
+                  <a:ext uri="{0D108BD9-81ED-4DB2-BD59-A6C34878D82A}">
+                    <a16:rowId xmlns:a16="http://schemas.microsoft.com/office/drawing/2014/main" val="10003"/>
+                  </a:ext>
+                </a:extLst>
               </a:tr>
             </a:tbl>
           </a:graphicData>
@@ -6751,8 +6833,20 @@
                 <a:tableStyleId>{FABFCF23-3B69-468F-B69F-88F6DE6A72F2}</a:tableStyleId>
               </a:tblPr>
               <a:tblGrid>
-                <a:gridCol w="4369855"/>
-                <a:gridCol w="4369855"/>
+                <a:gridCol w="4369855">
+                  <a:extLst>
+                    <a:ext uri="{9D8B030D-6E8A-4147-A177-3AD203B41FA5}">
+                      <a16:colId xmlns:a16="http://schemas.microsoft.com/office/drawing/2014/main" val="20000"/>
+                    </a:ext>
+                  </a:extLst>
+                </a:gridCol>
+                <a:gridCol w="4369855">
+                  <a:extLst>
+                    <a:ext uri="{9D8B030D-6E8A-4147-A177-3AD203B41FA5}">
+                      <a16:colId xmlns:a16="http://schemas.microsoft.com/office/drawing/2014/main" val="20001"/>
+                    </a:ext>
+                  </a:extLst>
+                </a:gridCol>
               </a:tblGrid>
               <a:tr h="195144">
                 <a:tc>
@@ -6811,6 +6905,11 @@
                   </a:txBody>
                   <a:tcPr marL="68580" marR="68580" marT="0" marB="0"/>
                 </a:tc>
+                <a:extLst>
+                  <a:ext uri="{0D108BD9-81ED-4DB2-BD59-A6C34878D82A}">
+                    <a16:rowId xmlns:a16="http://schemas.microsoft.com/office/drawing/2014/main" val="10000"/>
+                  </a:ext>
+                </a:extLst>
               </a:tr>
               <a:tr h="195144">
                 <a:tc>
@@ -6869,6 +6968,11 @@
                   </a:txBody>
                   <a:tcPr marL="68580" marR="68580" marT="0" marB="0"/>
                 </a:tc>
+                <a:extLst>
+                  <a:ext uri="{0D108BD9-81ED-4DB2-BD59-A6C34878D82A}">
+                    <a16:rowId xmlns:a16="http://schemas.microsoft.com/office/drawing/2014/main" val="10001"/>
+                  </a:ext>
+                </a:extLst>
               </a:tr>
               <a:tr h="195144">
                 <a:tc>
@@ -6927,6 +7031,11 @@
                   </a:txBody>
                   <a:tcPr marL="68580" marR="68580" marT="0" marB="0"/>
                 </a:tc>
+                <a:extLst>
+                  <a:ext uri="{0D108BD9-81ED-4DB2-BD59-A6C34878D82A}">
+                    <a16:rowId xmlns:a16="http://schemas.microsoft.com/office/drawing/2014/main" val="10002"/>
+                  </a:ext>
+                </a:extLst>
               </a:tr>
               <a:tr h="195144">
                 <a:tc>
@@ -6985,6 +7094,11 @@
                   </a:txBody>
                   <a:tcPr marL="68580" marR="68580" marT="0" marB="0"/>
                 </a:tc>
+                <a:extLst>
+                  <a:ext uri="{0D108BD9-81ED-4DB2-BD59-A6C34878D82A}">
+                    <a16:rowId xmlns:a16="http://schemas.microsoft.com/office/drawing/2014/main" val="10003"/>
+                  </a:ext>
+                </a:extLst>
               </a:tr>
               <a:tr h="195144">
                 <a:tc>
@@ -7043,6 +7157,11 @@
                   </a:txBody>
                   <a:tcPr marL="68580" marR="68580" marT="0" marB="0"/>
                 </a:tc>
+                <a:extLst>
+                  <a:ext uri="{0D108BD9-81ED-4DB2-BD59-A6C34878D82A}">
+                    <a16:rowId xmlns:a16="http://schemas.microsoft.com/office/drawing/2014/main" val="10004"/>
+                  </a:ext>
+                </a:extLst>
               </a:tr>
               <a:tr h="195144">
                 <a:tc>
@@ -7101,6 +7220,11 @@
                   </a:txBody>
                   <a:tcPr marL="68580" marR="68580" marT="0" marB="0"/>
                 </a:tc>
+                <a:extLst>
+                  <a:ext uri="{0D108BD9-81ED-4DB2-BD59-A6C34878D82A}">
+                    <a16:rowId xmlns:a16="http://schemas.microsoft.com/office/drawing/2014/main" val="10005"/>
+                  </a:ext>
+                </a:extLst>
               </a:tr>
               <a:tr h="195144">
                 <a:tc>
@@ -7159,6 +7283,11 @@
                   </a:txBody>
                   <a:tcPr marL="68580" marR="68580" marT="0" marB="0"/>
                 </a:tc>
+                <a:extLst>
+                  <a:ext uri="{0D108BD9-81ED-4DB2-BD59-A6C34878D82A}">
+                    <a16:rowId xmlns:a16="http://schemas.microsoft.com/office/drawing/2014/main" val="10006"/>
+                  </a:ext>
+                </a:extLst>
               </a:tr>
               <a:tr h="195144">
                 <a:tc>
@@ -7217,6 +7346,11 @@
                   </a:txBody>
                   <a:tcPr marL="68580" marR="68580" marT="0" marB="0"/>
                 </a:tc>
+                <a:extLst>
+                  <a:ext uri="{0D108BD9-81ED-4DB2-BD59-A6C34878D82A}">
+                    <a16:rowId xmlns:a16="http://schemas.microsoft.com/office/drawing/2014/main" val="10007"/>
+                  </a:ext>
+                </a:extLst>
               </a:tr>
               <a:tr h="195144">
                 <a:tc>
@@ -7275,6 +7409,11 @@
                   </a:txBody>
                   <a:tcPr marL="68580" marR="68580" marT="0" marB="0"/>
                 </a:tc>
+                <a:extLst>
+                  <a:ext uri="{0D108BD9-81ED-4DB2-BD59-A6C34878D82A}">
+                    <a16:rowId xmlns:a16="http://schemas.microsoft.com/office/drawing/2014/main" val="10008"/>
+                  </a:ext>
+                </a:extLst>
               </a:tr>
               <a:tr h="195144">
                 <a:tc>
@@ -7333,6 +7472,11 @@
                   </a:txBody>
                   <a:tcPr marL="68580" marR="68580" marT="0" marB="0"/>
                 </a:tc>
+                <a:extLst>
+                  <a:ext uri="{0D108BD9-81ED-4DB2-BD59-A6C34878D82A}">
+                    <a16:rowId xmlns:a16="http://schemas.microsoft.com/office/drawing/2014/main" val="10009"/>
+                  </a:ext>
+                </a:extLst>
               </a:tr>
               <a:tr h="195144">
                 <a:tc>
@@ -7391,6 +7535,11 @@
                   </a:txBody>
                   <a:tcPr marL="68580" marR="68580" marT="0" marB="0"/>
                 </a:tc>
+                <a:extLst>
+                  <a:ext uri="{0D108BD9-81ED-4DB2-BD59-A6C34878D82A}">
+                    <a16:rowId xmlns:a16="http://schemas.microsoft.com/office/drawing/2014/main" val="10010"/>
+                  </a:ext>
+                </a:extLst>
               </a:tr>
               <a:tr h="195144">
                 <a:tc>
@@ -7449,6 +7598,11 @@
                   </a:txBody>
                   <a:tcPr marL="68580" marR="68580" marT="0" marB="0"/>
                 </a:tc>
+                <a:extLst>
+                  <a:ext uri="{0D108BD9-81ED-4DB2-BD59-A6C34878D82A}">
+                    <a16:rowId xmlns:a16="http://schemas.microsoft.com/office/drawing/2014/main" val="10011"/>
+                  </a:ext>
+                </a:extLst>
               </a:tr>
               <a:tr h="195144">
                 <a:tc>
@@ -7507,6 +7661,11 @@
                   </a:txBody>
                   <a:tcPr marL="68580" marR="68580" marT="0" marB="0"/>
                 </a:tc>
+                <a:extLst>
+                  <a:ext uri="{0D108BD9-81ED-4DB2-BD59-A6C34878D82A}">
+                    <a16:rowId xmlns:a16="http://schemas.microsoft.com/office/drawing/2014/main" val="10012"/>
+                  </a:ext>
+                </a:extLst>
               </a:tr>
               <a:tr h="195144">
                 <a:tc>
@@ -7565,6 +7724,11 @@
                   </a:txBody>
                   <a:tcPr marL="68580" marR="68580" marT="0" marB="0"/>
                 </a:tc>
+                <a:extLst>
+                  <a:ext uri="{0D108BD9-81ED-4DB2-BD59-A6C34878D82A}">
+                    <a16:rowId xmlns:a16="http://schemas.microsoft.com/office/drawing/2014/main" val="10013"/>
+                  </a:ext>
+                </a:extLst>
               </a:tr>
               <a:tr h="195144">
                 <a:tc>
@@ -7623,6 +7787,11 @@
                   </a:txBody>
                   <a:tcPr marL="68580" marR="68580" marT="0" marB="0"/>
                 </a:tc>
+                <a:extLst>
+                  <a:ext uri="{0D108BD9-81ED-4DB2-BD59-A6C34878D82A}">
+                    <a16:rowId xmlns:a16="http://schemas.microsoft.com/office/drawing/2014/main" val="10014"/>
+                  </a:ext>
+                </a:extLst>
               </a:tr>
               <a:tr h="195144">
                 <a:tc>
@@ -7681,6 +7850,11 @@
                   </a:txBody>
                   <a:tcPr marL="68580" marR="68580" marT="0" marB="0"/>
                 </a:tc>
+                <a:extLst>
+                  <a:ext uri="{0D108BD9-81ED-4DB2-BD59-A6C34878D82A}">
+                    <a16:rowId xmlns:a16="http://schemas.microsoft.com/office/drawing/2014/main" val="10015"/>
+                  </a:ext>
+                </a:extLst>
               </a:tr>
               <a:tr h="195144">
                 <a:tc>
@@ -7739,6 +7913,11 @@
                   </a:txBody>
                   <a:tcPr marL="68580" marR="68580" marT="0" marB="0"/>
                 </a:tc>
+                <a:extLst>
+                  <a:ext uri="{0D108BD9-81ED-4DB2-BD59-A6C34878D82A}">
+                    <a16:rowId xmlns:a16="http://schemas.microsoft.com/office/drawing/2014/main" val="10016"/>
+                  </a:ext>
+                </a:extLst>
               </a:tr>
               <a:tr h="195144">
                 <a:tc>
@@ -7797,6 +7976,11 @@
                   </a:txBody>
                   <a:tcPr marL="68580" marR="68580" marT="0" marB="0"/>
                 </a:tc>
+                <a:extLst>
+                  <a:ext uri="{0D108BD9-81ED-4DB2-BD59-A6C34878D82A}">
+                    <a16:rowId xmlns:a16="http://schemas.microsoft.com/office/drawing/2014/main" val="10017"/>
+                  </a:ext>
+                </a:extLst>
               </a:tr>
               <a:tr h="195144">
                 <a:tc>
@@ -7855,6 +8039,11 @@
                   </a:txBody>
                   <a:tcPr marL="68580" marR="68580" marT="0" marB="0"/>
                 </a:tc>
+                <a:extLst>
+                  <a:ext uri="{0D108BD9-81ED-4DB2-BD59-A6C34878D82A}">
+                    <a16:rowId xmlns:a16="http://schemas.microsoft.com/office/drawing/2014/main" val="10018"/>
+                  </a:ext>
+                </a:extLst>
               </a:tr>
               <a:tr h="195144">
                 <a:tc>
@@ -7913,6 +8102,11 @@
                   </a:txBody>
                   <a:tcPr marL="68580" marR="68580" marT="0" marB="0"/>
                 </a:tc>
+                <a:extLst>
+                  <a:ext uri="{0D108BD9-81ED-4DB2-BD59-A6C34878D82A}">
+                    <a16:rowId xmlns:a16="http://schemas.microsoft.com/office/drawing/2014/main" val="10019"/>
+                  </a:ext>
+                </a:extLst>
               </a:tr>
               <a:tr h="195144">
                 <a:tc>
@@ -7971,6 +8165,11 @@
                   </a:txBody>
                   <a:tcPr marL="68580" marR="68580" marT="0" marB="0"/>
                 </a:tc>
+                <a:extLst>
+                  <a:ext uri="{0D108BD9-81ED-4DB2-BD59-A6C34878D82A}">
+                    <a16:rowId xmlns:a16="http://schemas.microsoft.com/office/drawing/2014/main" val="10020"/>
+                  </a:ext>
+                </a:extLst>
               </a:tr>
               <a:tr h="195144">
                 <a:tc>
@@ -8029,6 +8228,11 @@
                   </a:txBody>
                   <a:tcPr marL="68580" marR="68580" marT="0" marB="0"/>
                 </a:tc>
+                <a:extLst>
+                  <a:ext uri="{0D108BD9-81ED-4DB2-BD59-A6C34878D82A}">
+                    <a16:rowId xmlns:a16="http://schemas.microsoft.com/office/drawing/2014/main" val="10021"/>
+                  </a:ext>
+                </a:extLst>
               </a:tr>
               <a:tr h="195144">
                 <a:tc>
@@ -8087,6 +8291,11 @@
                   </a:txBody>
                   <a:tcPr marL="68580" marR="68580" marT="0" marB="0"/>
                 </a:tc>
+                <a:extLst>
+                  <a:ext uri="{0D108BD9-81ED-4DB2-BD59-A6C34878D82A}">
+                    <a16:rowId xmlns:a16="http://schemas.microsoft.com/office/drawing/2014/main" val="10022"/>
+                  </a:ext>
+                </a:extLst>
               </a:tr>
               <a:tr h="195144">
                 <a:tc>
@@ -8145,6 +8354,11 @@
                   </a:txBody>
                   <a:tcPr marL="68580" marR="68580" marT="0" marB="0"/>
                 </a:tc>
+                <a:extLst>
+                  <a:ext uri="{0D108BD9-81ED-4DB2-BD59-A6C34878D82A}">
+                    <a16:rowId xmlns:a16="http://schemas.microsoft.com/office/drawing/2014/main" val="10023"/>
+                  </a:ext>
+                </a:extLst>
               </a:tr>
               <a:tr h="195144">
                 <a:tc>
@@ -8203,6 +8417,11 @@
                   </a:txBody>
                   <a:tcPr marL="68580" marR="68580" marT="0" marB="0"/>
                 </a:tc>
+                <a:extLst>
+                  <a:ext uri="{0D108BD9-81ED-4DB2-BD59-A6C34878D82A}">
+                    <a16:rowId xmlns:a16="http://schemas.microsoft.com/office/drawing/2014/main" val="10024"/>
+                  </a:ext>
+                </a:extLst>
               </a:tr>
             </a:tbl>
           </a:graphicData>
@@ -8324,8 +8543,20 @@
                 <a:tableStyleId>{FABFCF23-3B69-468F-B69F-88F6DE6A72F2}</a:tableStyleId>
               </a:tblPr>
               <a:tblGrid>
-                <a:gridCol w="3469102"/>
-                <a:gridCol w="3469102"/>
+                <a:gridCol w="3469102">
+                  <a:extLst>
+                    <a:ext uri="{9D8B030D-6E8A-4147-A177-3AD203B41FA5}">
+                      <a16:colId xmlns:a16="http://schemas.microsoft.com/office/drawing/2014/main" val="20000"/>
+                    </a:ext>
+                  </a:extLst>
+                </a:gridCol>
+                <a:gridCol w="3469102">
+                  <a:extLst>
+                    <a:ext uri="{9D8B030D-6E8A-4147-A177-3AD203B41FA5}">
+                      <a16:colId xmlns:a16="http://schemas.microsoft.com/office/drawing/2014/main" val="20001"/>
+                    </a:ext>
+                  </a:extLst>
+                </a:gridCol>
               </a:tblGrid>
               <a:tr h="248805">
                 <a:tc>
@@ -8384,6 +8615,11 @@
                   </a:txBody>
                   <a:tcPr marL="68580" marR="68580" marT="0" marB="0"/>
                 </a:tc>
+                <a:extLst>
+                  <a:ext uri="{0D108BD9-81ED-4DB2-BD59-A6C34878D82A}">
+                    <a16:rowId xmlns:a16="http://schemas.microsoft.com/office/drawing/2014/main" val="10000"/>
+                  </a:ext>
+                </a:extLst>
               </a:tr>
               <a:tr h="248805">
                 <a:tc>
@@ -8442,6 +8678,11 @@
                   </a:txBody>
                   <a:tcPr marL="68580" marR="68580" marT="0" marB="0"/>
                 </a:tc>
+                <a:extLst>
+                  <a:ext uri="{0D108BD9-81ED-4DB2-BD59-A6C34878D82A}">
+                    <a16:rowId xmlns:a16="http://schemas.microsoft.com/office/drawing/2014/main" val="10001"/>
+                  </a:ext>
+                </a:extLst>
               </a:tr>
               <a:tr h="248805">
                 <a:tc>
@@ -8512,6 +8753,11 @@
                   </a:txBody>
                   <a:tcPr marL="68580" marR="68580" marT="0" marB="0"/>
                 </a:tc>
+                <a:extLst>
+                  <a:ext uri="{0D108BD9-81ED-4DB2-BD59-A6C34878D82A}">
+                    <a16:rowId xmlns:a16="http://schemas.microsoft.com/office/drawing/2014/main" val="10002"/>
+                  </a:ext>
+                </a:extLst>
               </a:tr>
               <a:tr h="248805">
                 <a:tc>
@@ -8570,6 +8816,11 @@
                   </a:txBody>
                   <a:tcPr marL="68580" marR="68580" marT="0" marB="0"/>
                 </a:tc>
+                <a:extLst>
+                  <a:ext uri="{0D108BD9-81ED-4DB2-BD59-A6C34878D82A}">
+                    <a16:rowId xmlns:a16="http://schemas.microsoft.com/office/drawing/2014/main" val="10003"/>
+                  </a:ext>
+                </a:extLst>
               </a:tr>
               <a:tr h="248805">
                 <a:tc>
@@ -8628,6 +8879,11 @@
                   </a:txBody>
                   <a:tcPr marL="68580" marR="68580" marT="0" marB="0"/>
                 </a:tc>
+                <a:extLst>
+                  <a:ext uri="{0D108BD9-81ED-4DB2-BD59-A6C34878D82A}">
+                    <a16:rowId xmlns:a16="http://schemas.microsoft.com/office/drawing/2014/main" val="10004"/>
+                  </a:ext>
+                </a:extLst>
               </a:tr>
               <a:tr h="248805">
                 <a:tc>
@@ -8686,6 +8942,11 @@
                   </a:txBody>
                   <a:tcPr marL="68580" marR="68580" marT="0" marB="0"/>
                 </a:tc>
+                <a:extLst>
+                  <a:ext uri="{0D108BD9-81ED-4DB2-BD59-A6C34878D82A}">
+                    <a16:rowId xmlns:a16="http://schemas.microsoft.com/office/drawing/2014/main" val="10005"/>
+                  </a:ext>
+                </a:extLst>
               </a:tr>
             </a:tbl>
           </a:graphicData>
@@ -19523,11 +19784,41 @@
                 <a:tableStyleId>{69CF1AB2-1976-4502-BF36-3FF5EA218861}</a:tableStyleId>
               </a:tblPr>
               <a:tblGrid>
-                <a:gridCol w="208018"/>
-                <a:gridCol w="2101872"/>
-                <a:gridCol w="3307572"/>
-                <a:gridCol w="1264039"/>
-                <a:gridCol w="895362"/>
+                <a:gridCol w="208018">
+                  <a:extLst>
+                    <a:ext uri="{9D8B030D-6E8A-4147-A177-3AD203B41FA5}">
+                      <a16:colId xmlns:a16="http://schemas.microsoft.com/office/drawing/2014/main" val="20000"/>
+                    </a:ext>
+                  </a:extLst>
+                </a:gridCol>
+                <a:gridCol w="2101872">
+                  <a:extLst>
+                    <a:ext uri="{9D8B030D-6E8A-4147-A177-3AD203B41FA5}">
+                      <a16:colId xmlns:a16="http://schemas.microsoft.com/office/drawing/2014/main" val="20001"/>
+                    </a:ext>
+                  </a:extLst>
+                </a:gridCol>
+                <a:gridCol w="3307572">
+                  <a:extLst>
+                    <a:ext uri="{9D8B030D-6E8A-4147-A177-3AD203B41FA5}">
+                      <a16:colId xmlns:a16="http://schemas.microsoft.com/office/drawing/2014/main" val="20002"/>
+                    </a:ext>
+                  </a:extLst>
+                </a:gridCol>
+                <a:gridCol w="1264039">
+                  <a:extLst>
+                    <a:ext uri="{9D8B030D-6E8A-4147-A177-3AD203B41FA5}">
+                      <a16:colId xmlns:a16="http://schemas.microsoft.com/office/drawing/2014/main" val="20003"/>
+                    </a:ext>
+                  </a:extLst>
+                </a:gridCol>
+                <a:gridCol w="895362">
+                  <a:extLst>
+                    <a:ext uri="{9D8B030D-6E8A-4147-A177-3AD203B41FA5}">
+                      <a16:colId xmlns:a16="http://schemas.microsoft.com/office/drawing/2014/main" val="20004"/>
+                    </a:ext>
+                  </a:extLst>
+                </a:gridCol>
               </a:tblGrid>
               <a:tr h="282448">
                 <a:tc>
@@ -19670,6 +19961,11 @@
                   </a:txBody>
                   <a:tcPr marL="68580" marR="68580" marT="0" marB="0"/>
                 </a:tc>
+                <a:extLst>
+                  <a:ext uri="{0D108BD9-81ED-4DB2-BD59-A6C34878D82A}">
+                    <a16:rowId xmlns:a16="http://schemas.microsoft.com/office/drawing/2014/main" val="10000"/>
+                  </a:ext>
+                </a:extLst>
               </a:tr>
               <a:tr h="280229">
                 <a:tc>
@@ -19818,6 +20114,11 @@
                   </a:txBody>
                   <a:tcPr marL="68580" marR="68580" marT="0" marB="0"/>
                 </a:tc>
+                <a:extLst>
+                  <a:ext uri="{0D108BD9-81ED-4DB2-BD59-A6C34878D82A}">
+                    <a16:rowId xmlns:a16="http://schemas.microsoft.com/office/drawing/2014/main" val="10001"/>
+                  </a:ext>
+                </a:extLst>
               </a:tr>
               <a:tr h="840687">
                 <a:tc>
@@ -19960,6 +20261,11 @@
                   </a:txBody>
                   <a:tcPr marL="68580" marR="68580" marT="0" marB="0"/>
                 </a:tc>
+                <a:extLst>
+                  <a:ext uri="{0D108BD9-81ED-4DB2-BD59-A6C34878D82A}">
+                    <a16:rowId xmlns:a16="http://schemas.microsoft.com/office/drawing/2014/main" val="10002"/>
+                  </a:ext>
+                </a:extLst>
               </a:tr>
               <a:tr h="560458">
                 <a:tc>
@@ -20102,6 +20408,11 @@
                   </a:txBody>
                   <a:tcPr marL="68580" marR="68580" marT="0" marB="0"/>
                 </a:tc>
+                <a:extLst>
+                  <a:ext uri="{0D108BD9-81ED-4DB2-BD59-A6C34878D82A}">
+                    <a16:rowId xmlns:a16="http://schemas.microsoft.com/office/drawing/2014/main" val="10003"/>
+                  </a:ext>
+                </a:extLst>
               </a:tr>
               <a:tr h="560458">
                 <a:tc>
@@ -20244,6 +20555,11 @@
                   </a:txBody>
                   <a:tcPr marL="68580" marR="68580" marT="0" marB="0"/>
                 </a:tc>
+                <a:extLst>
+                  <a:ext uri="{0D108BD9-81ED-4DB2-BD59-A6C34878D82A}">
+                    <a16:rowId xmlns:a16="http://schemas.microsoft.com/office/drawing/2014/main" val="10004"/>
+                  </a:ext>
+                </a:extLst>
               </a:tr>
               <a:tr h="560458">
                 <a:tc>
@@ -20405,6 +20721,11 @@
                   </a:txBody>
                   <a:tcPr marL="68580" marR="68580" marT="0" marB="0"/>
                 </a:tc>
+                <a:extLst>
+                  <a:ext uri="{0D108BD9-81ED-4DB2-BD59-A6C34878D82A}">
+                    <a16:rowId xmlns:a16="http://schemas.microsoft.com/office/drawing/2014/main" val="10005"/>
+                  </a:ext>
+                </a:extLst>
               </a:tr>
               <a:tr h="560458">
                 <a:tc>
@@ -20558,6 +20879,11 @@
                   </a:txBody>
                   <a:tcPr marL="68580" marR="68580" marT="0" marB="0"/>
                 </a:tc>
+                <a:extLst>
+                  <a:ext uri="{0D108BD9-81ED-4DB2-BD59-A6C34878D82A}">
+                    <a16:rowId xmlns:a16="http://schemas.microsoft.com/office/drawing/2014/main" val="10006"/>
+                  </a:ext>
+                </a:extLst>
               </a:tr>
               <a:tr h="531268">
                 <a:tc>
@@ -20700,6 +21026,11 @@
                   </a:txBody>
                   <a:tcPr marL="68580" marR="68580" marT="0" marB="0"/>
                 </a:tc>
+                <a:extLst>
+                  <a:ext uri="{0D108BD9-81ED-4DB2-BD59-A6C34878D82A}">
+                    <a16:rowId xmlns:a16="http://schemas.microsoft.com/office/drawing/2014/main" val="10007"/>
+                  </a:ext>
+                </a:extLst>
               </a:tr>
             </a:tbl>
           </a:graphicData>
@@ -20722,6 +21053,657 @@
       </p:par>
     </p:tnLst>
   </p:timing>
+</p:sld>
+</file>
+
+<file path=ppt/slides/slide27.xml><?xml version="1.0" encoding="utf-8"?>
+<p:sld xmlns:a="http://schemas.openxmlformats.org/drawingml/2006/main" xmlns:r="http://schemas.openxmlformats.org/officeDocument/2006/relationships" xmlns:p="http://schemas.openxmlformats.org/presentationml/2006/main">
+  <p:cSld>
+    <p:spTree>
+      <p:nvGrpSpPr>
+        <p:cNvPr id="1" name=""/>
+        <p:cNvGrpSpPr/>
+        <p:nvPr/>
+      </p:nvGrpSpPr>
+      <p:grpSpPr>
+        <a:xfrm>
+          <a:off x="0" y="0"/>
+          <a:ext cx="0" cy="0"/>
+          <a:chOff x="0" y="0"/>
+          <a:chExt cx="0" cy="0"/>
+        </a:xfrm>
+      </p:grpSpPr>
+      <p:sp>
+        <p:nvSpPr>
+          <p:cNvPr id="2" name="Title 1"/>
+          <p:cNvSpPr>
+            <a:spLocks noGrp="1"/>
+          </p:cNvSpPr>
+          <p:nvPr>
+            <p:ph type="title"/>
+          </p:nvPr>
+        </p:nvSpPr>
+        <p:spPr/>
+        <p:txBody>
+          <a:bodyPr/>
+          <a:lstStyle/>
+          <a:p>
+            <a:r>
+              <a:rPr lang="bg-BG" dirty="0"/>
+              <a:t>Целеви показатели за качество</a:t>
+            </a:r>
+            <a:endParaRPr lang="en-US" dirty="0"/>
+          </a:p>
+        </p:txBody>
+      </p:sp>
+      <p:sp>
+        <p:nvSpPr>
+          <p:cNvPr id="3" name="Content Placeholder 2"/>
+          <p:cNvSpPr>
+            <a:spLocks noGrp="1"/>
+          </p:cNvSpPr>
+          <p:nvPr>
+            <p:ph idx="1"/>
+          </p:nvPr>
+        </p:nvSpPr>
+        <p:spPr>
+          <a:xfrm>
+            <a:off x="512618" y="1260764"/>
+            <a:ext cx="9947564" cy="5389418"/>
+          </a:xfrm>
+        </p:spPr>
+        <p:txBody>
+          <a:bodyPr>
+            <a:normAutofit/>
+          </a:bodyPr>
+          <a:lstStyle/>
+          <a:p>
+            <a:pPr lvl="0"/>
+            <a:r>
+              <a:rPr lang="bg-BG" dirty="0"/>
+              <a:t>„Използваемост”:</a:t>
+            </a:r>
+            <a:endParaRPr lang="en-US" dirty="0"/>
+          </a:p>
+          <a:p>
+            <a:pPr lvl="1"/>
+            <a:r>
+              <a:rPr lang="bg-BG" dirty="0"/>
+              <a:t>Уеб модула на системата трябва да работи без проблемно с повечето модерни браузери.</a:t>
+            </a:r>
+            <a:endParaRPr lang="en-US" dirty="0"/>
+          </a:p>
+          <a:p>
+            <a:pPr lvl="0"/>
+            <a:r>
+              <a:rPr lang="bg-BG" dirty="0"/>
+              <a:t> „Надеждност</a:t>
+            </a:r>
+            <a:r>
+              <a:rPr lang="bg-BG" dirty="0" smtClean="0"/>
+              <a:t>”:</a:t>
+            </a:r>
+            <a:endParaRPr lang="en-US" dirty="0"/>
+          </a:p>
+          <a:p>
+            <a:pPr lvl="1"/>
+            <a:r>
+              <a:rPr lang="bg-BG" dirty="0"/>
+              <a:t>За намаляване на шанса системата да остане без достъп до интернет, поради аварии и други причини, системата е подсигурена от 3 интернет доставчика.</a:t>
+            </a:r>
+            <a:endParaRPr lang="en-US" dirty="0"/>
+          </a:p>
+          <a:p>
+            <a:pPr lvl="1"/>
+            <a:r>
+              <a:rPr lang="bg-BG" dirty="0"/>
+              <a:t>Време за възстановяване на системата в случай на установяване на повреда, системата поддържа възстановяване до най-много един час. </a:t>
+            </a:r>
+            <a:endParaRPr lang="en-US" dirty="0"/>
+          </a:p>
+          <a:p>
+            <a:pPr lvl="1"/>
+            <a:r>
+              <a:rPr lang="bg-BG" dirty="0"/>
+              <a:t>Информацията в системата се архивира автоматично всеки ден в 00:00 (</a:t>
+            </a:r>
+            <a:r>
+              <a:rPr lang="en-US" dirty="0"/>
+              <a:t>GMT).</a:t>
+            </a:r>
+          </a:p>
+          <a:p>
+            <a:pPr lvl="0"/>
+            <a:r>
+              <a:rPr lang="bg-BG" dirty="0"/>
+              <a:t>„Изпълнение и поддръжка”:</a:t>
+            </a:r>
+            <a:endParaRPr lang="en-US" dirty="0"/>
+          </a:p>
+          <a:p>
+            <a:pPr lvl="1"/>
+            <a:r>
+              <a:rPr lang="bg-BG" dirty="0"/>
+              <a:t>Системата трябва да поддържа едновременна работа на около 500 000 потребители. (клиенти и служители общо). </a:t>
+            </a:r>
+            <a:endParaRPr lang="en-US" dirty="0"/>
+          </a:p>
+        </p:txBody>
+      </p:sp>
+    </p:spTree>
+    <p:extLst>
+      <p:ext uri="{BB962C8B-B14F-4D97-AF65-F5344CB8AC3E}">
+        <p14:creationId xmlns:p14="http://schemas.microsoft.com/office/powerpoint/2010/main" val="1404713249"/>
+      </p:ext>
+    </p:extLst>
+  </p:cSld>
+  <p:clrMapOvr>
+    <a:masterClrMapping/>
+  </p:clrMapOvr>
+</p:sld>
+</file>
+
+<file path=ppt/slides/slide28.xml><?xml version="1.0" encoding="utf-8"?>
+<p:sld xmlns:a="http://schemas.openxmlformats.org/drawingml/2006/main" xmlns:r="http://schemas.openxmlformats.org/officeDocument/2006/relationships" xmlns:p="http://schemas.openxmlformats.org/presentationml/2006/main">
+  <p:cSld>
+    <p:spTree>
+      <p:nvGrpSpPr>
+        <p:cNvPr id="1" name=""/>
+        <p:cNvGrpSpPr/>
+        <p:nvPr/>
+      </p:nvGrpSpPr>
+      <p:grpSpPr>
+        <a:xfrm>
+          <a:off x="0" y="0"/>
+          <a:ext cx="0" cy="0"/>
+          <a:chOff x="0" y="0"/>
+          <a:chExt cx="0" cy="0"/>
+        </a:xfrm>
+      </p:grpSpPr>
+      <p:sp>
+        <p:nvSpPr>
+          <p:cNvPr id="2" name="Title 1"/>
+          <p:cNvSpPr>
+            <a:spLocks noGrp="1"/>
+          </p:cNvSpPr>
+          <p:nvPr>
+            <p:ph type="title"/>
+          </p:nvPr>
+        </p:nvSpPr>
+        <p:spPr/>
+        <p:txBody>
+          <a:bodyPr/>
+          <a:lstStyle/>
+          <a:p>
+            <a:pPr lvl="0"/>
+            <a:r>
+              <a:rPr lang="en-US" b="1" dirty="0" err="1"/>
+              <a:t>Стандарти</a:t>
+            </a:r>
+            <a:r>
+              <a:rPr lang="en-US" b="1" dirty="0"/>
+              <a:t> и </a:t>
+            </a:r>
+            <a:r>
+              <a:rPr lang="en-US" b="1" dirty="0" err="1" smtClean="0"/>
+              <a:t>насоки</a:t>
+            </a:r>
+            <a:endParaRPr lang="en-US" dirty="0"/>
+          </a:p>
+        </p:txBody>
+      </p:sp>
+      <p:sp>
+        <p:nvSpPr>
+          <p:cNvPr id="3" name="Content Placeholder 2"/>
+          <p:cNvSpPr>
+            <a:spLocks noGrp="1"/>
+          </p:cNvSpPr>
+          <p:nvPr>
+            <p:ph idx="1"/>
+          </p:nvPr>
+        </p:nvSpPr>
+        <p:spPr>
+          <a:xfrm>
+            <a:off x="646112" y="1579418"/>
+            <a:ext cx="9403742" cy="4668981"/>
+          </a:xfrm>
+        </p:spPr>
+        <p:txBody>
+          <a:bodyPr/>
+          <a:lstStyle/>
+          <a:p>
+            <a:pPr lvl="0"/>
+            <a:r>
+              <a:rPr lang="en-US" dirty="0"/>
+              <a:t>Javadoc</a:t>
+            </a:r>
+            <a:r>
+              <a:rPr lang="ru-RU" dirty="0"/>
+              <a:t> – конвенция </a:t>
+            </a:r>
+            <a:r>
+              <a:rPr lang="bg-BG" dirty="0"/>
+              <a:t>на Oracle Corporation за генериране на API документация в </a:t>
+            </a:r>
+            <a:r>
+              <a:rPr lang="en-US" dirty="0"/>
+              <a:t>HTML</a:t>
+            </a:r>
+            <a:r>
+              <a:rPr lang="ru-RU" dirty="0"/>
+              <a:t> формат от </a:t>
+            </a:r>
+            <a:r>
+              <a:rPr lang="en-US" dirty="0"/>
+              <a:t>Java</a:t>
+            </a:r>
+            <a:r>
+              <a:rPr lang="ru-RU" dirty="0"/>
+              <a:t> сорс код;</a:t>
+            </a:r>
+            <a:endParaRPr lang="en-US" dirty="0"/>
+          </a:p>
+          <a:p>
+            <a:pPr lvl="0"/>
+            <a:r>
+              <a:rPr lang="en-US" dirty="0"/>
+              <a:t>UML</a:t>
+            </a:r>
+            <a:r>
+              <a:rPr lang="ru-RU" dirty="0"/>
+              <a:t> – </a:t>
+            </a:r>
+            <a:r>
+              <a:rPr lang="bg-BG" dirty="0"/>
+              <a:t>стандартизиран език с общо приложение за моделиране в областта на софтуерното инженерство. Включва набор от графични техники за създаване на диаграми в обектно-ориентираните софтуерни системи.</a:t>
+            </a:r>
+            <a:endParaRPr lang="en-US" dirty="0"/>
+          </a:p>
+          <a:p>
+            <a:r>
+              <a:rPr lang="en-US" dirty="0"/>
+              <a:t>BPMN</a:t>
+            </a:r>
+            <a:r>
+              <a:rPr lang="ru-RU" dirty="0"/>
+              <a:t> </a:t>
+            </a:r>
+            <a:r>
+              <a:rPr lang="en-US" dirty="0" smtClean="0"/>
+              <a:t>2 </a:t>
+            </a:r>
+            <a:r>
+              <a:rPr lang="ru-RU" dirty="0" smtClean="0"/>
+              <a:t>– </a:t>
+            </a:r>
+            <a:r>
+              <a:rPr lang="bg-BG" dirty="0"/>
+              <a:t>графично представяне на бизнес процеси в модела на бизнес процесите;</a:t>
+            </a:r>
+            <a:endParaRPr lang="en-US" dirty="0"/>
+          </a:p>
+        </p:txBody>
+      </p:sp>
+    </p:spTree>
+    <p:extLst>
+      <p:ext uri="{BB962C8B-B14F-4D97-AF65-F5344CB8AC3E}">
+        <p14:creationId xmlns:p14="http://schemas.microsoft.com/office/powerpoint/2010/main" val="291574916"/>
+      </p:ext>
+    </p:extLst>
+  </p:cSld>
+  <p:clrMapOvr>
+    <a:masterClrMapping/>
+  </p:clrMapOvr>
+</p:sld>
+</file>
+
+<file path=ppt/slides/slide29.xml><?xml version="1.0" encoding="utf-8"?>
+<p:sld xmlns:a="http://schemas.openxmlformats.org/drawingml/2006/main" xmlns:r="http://schemas.openxmlformats.org/officeDocument/2006/relationships" xmlns:p="http://schemas.openxmlformats.org/presentationml/2006/main">
+  <p:cSld>
+    <p:spTree>
+      <p:nvGrpSpPr>
+        <p:cNvPr id="1" name=""/>
+        <p:cNvGrpSpPr/>
+        <p:nvPr/>
+      </p:nvGrpSpPr>
+      <p:grpSpPr>
+        <a:xfrm>
+          <a:off x="0" y="0"/>
+          <a:ext cx="0" cy="0"/>
+          <a:chOff x="0" y="0"/>
+          <a:chExt cx="0" cy="0"/>
+        </a:xfrm>
+      </p:grpSpPr>
+      <p:sp>
+        <p:nvSpPr>
+          <p:cNvPr id="2" name="Title 1"/>
+          <p:cNvSpPr>
+            <a:spLocks noGrp="1"/>
+          </p:cNvSpPr>
+          <p:nvPr>
+            <p:ph type="title"/>
+          </p:nvPr>
+        </p:nvSpPr>
+        <p:spPr/>
+        <p:txBody>
+          <a:bodyPr/>
+          <a:lstStyle/>
+          <a:p>
+            <a:pPr lvl="0"/>
+            <a:r>
+              <a:rPr lang="en-US" b="1" dirty="0" err="1"/>
+              <a:t>Инструменти</a:t>
+            </a:r>
+            <a:r>
+              <a:rPr lang="en-US" b="1" dirty="0"/>
+              <a:t>, </a:t>
+            </a:r>
+            <a:r>
+              <a:rPr lang="en-US" b="1" dirty="0" err="1"/>
+              <a:t>техники</a:t>
+            </a:r>
+            <a:r>
+              <a:rPr lang="en-US" b="1" dirty="0"/>
+              <a:t> и </a:t>
+            </a:r>
+            <a:r>
+              <a:rPr lang="en-US" b="1" dirty="0" err="1"/>
+              <a:t>методологии</a:t>
+            </a:r>
+            <a:r>
+              <a:rPr lang="en-US" b="1" dirty="0"/>
+              <a:t/>
+            </a:r>
+            <a:br>
+              <a:rPr lang="en-US" b="1" dirty="0"/>
+            </a:br>
+            <a:endParaRPr lang="en-US" dirty="0"/>
+          </a:p>
+        </p:txBody>
+      </p:sp>
+      <p:sp>
+        <p:nvSpPr>
+          <p:cNvPr id="3" name="Content Placeholder 2"/>
+          <p:cNvSpPr>
+            <a:spLocks noGrp="1"/>
+          </p:cNvSpPr>
+          <p:nvPr>
+            <p:ph idx="1"/>
+          </p:nvPr>
+        </p:nvSpPr>
+        <p:spPr/>
+        <p:txBody>
+          <a:bodyPr/>
+          <a:lstStyle/>
+          <a:p>
+            <a:r>
+              <a:rPr lang="en-US" dirty="0" smtClean="0"/>
+              <a:t>RUP </a:t>
+            </a:r>
+            <a:r>
+              <a:rPr lang="en-US" dirty="0"/>
+              <a:t>(Rational Unified Process) – </a:t>
+            </a:r>
+            <a:r>
+              <a:rPr lang="en-US" dirty="0" err="1"/>
+              <a:t>стандарт</a:t>
+            </a:r>
+            <a:r>
+              <a:rPr lang="en-US" dirty="0"/>
+              <a:t> </a:t>
+            </a:r>
+            <a:r>
+              <a:rPr lang="en-US" dirty="0" err="1"/>
+              <a:t>за</a:t>
+            </a:r>
+            <a:r>
+              <a:rPr lang="en-US" dirty="0"/>
+              <a:t> </a:t>
+            </a:r>
+            <a:r>
+              <a:rPr lang="en-US" dirty="0" err="1"/>
+              <a:t>разработване</a:t>
+            </a:r>
+            <a:r>
+              <a:rPr lang="en-US" dirty="0"/>
+              <a:t> </a:t>
+            </a:r>
+            <a:r>
+              <a:rPr lang="en-US" dirty="0" err="1"/>
+              <a:t>на</a:t>
+            </a:r>
+            <a:r>
+              <a:rPr lang="en-US" dirty="0"/>
+              <a:t> </a:t>
+            </a:r>
+            <a:r>
+              <a:rPr lang="en-US" dirty="0" err="1"/>
+              <a:t>големи</a:t>
+            </a:r>
+            <a:r>
+              <a:rPr lang="en-US" dirty="0"/>
+              <a:t> </a:t>
+            </a:r>
+            <a:r>
+              <a:rPr lang="en-US" dirty="0" err="1"/>
+              <a:t>софтуерни</a:t>
+            </a:r>
+            <a:r>
+              <a:rPr lang="en-US" dirty="0"/>
+              <a:t> </a:t>
+            </a:r>
+            <a:r>
+              <a:rPr lang="en-US" dirty="0" err="1"/>
+              <a:t>проекти</a:t>
+            </a:r>
+            <a:r>
+              <a:rPr lang="en-US" dirty="0"/>
+              <a:t>. </a:t>
+            </a:r>
+          </a:p>
+          <a:p>
+            <a:r>
+              <a:rPr lang="en-US" dirty="0"/>
+              <a:t>JIRA – </a:t>
+            </a:r>
+            <a:r>
+              <a:rPr lang="en-US" dirty="0" err="1"/>
+              <a:t>среда</a:t>
+            </a:r>
+            <a:r>
+              <a:rPr lang="en-US" dirty="0"/>
+              <a:t>, </a:t>
+            </a:r>
+            <a:r>
+              <a:rPr lang="en-US" dirty="0" err="1"/>
+              <a:t>съдържаща</a:t>
+            </a:r>
+            <a:r>
+              <a:rPr lang="en-US" dirty="0"/>
+              <a:t> </a:t>
+            </a:r>
+            <a:r>
+              <a:rPr lang="en-US" dirty="0" err="1"/>
+              <a:t>множество</a:t>
+            </a:r>
+            <a:r>
+              <a:rPr lang="en-US" dirty="0"/>
+              <a:t> </a:t>
+            </a:r>
+            <a:r>
+              <a:rPr lang="en-US" dirty="0" err="1"/>
+              <a:t>инструменти</a:t>
+            </a:r>
+            <a:r>
+              <a:rPr lang="en-US" dirty="0"/>
+              <a:t>, </a:t>
+            </a:r>
+            <a:r>
+              <a:rPr lang="en-US" dirty="0" err="1"/>
+              <a:t>които</a:t>
+            </a:r>
+            <a:r>
+              <a:rPr lang="en-US" dirty="0"/>
+              <a:t> </a:t>
+            </a:r>
+            <a:r>
+              <a:rPr lang="en-US" dirty="0" err="1"/>
+              <a:t>спомагат</a:t>
+            </a:r>
+            <a:r>
+              <a:rPr lang="en-US" dirty="0"/>
+              <a:t> </a:t>
+            </a:r>
+            <a:r>
+              <a:rPr lang="en-US" dirty="0" err="1"/>
+              <a:t>за</a:t>
+            </a:r>
+            <a:r>
+              <a:rPr lang="en-US" dirty="0"/>
+              <a:t> </a:t>
+            </a:r>
+            <a:r>
+              <a:rPr lang="en-US" dirty="0" err="1"/>
+              <a:t>управлението</a:t>
+            </a:r>
+            <a:r>
+              <a:rPr lang="en-US" dirty="0"/>
+              <a:t> </a:t>
+            </a:r>
+            <a:r>
+              <a:rPr lang="en-US" dirty="0" err="1"/>
+              <a:t>на</a:t>
+            </a:r>
+            <a:r>
+              <a:rPr lang="en-US" dirty="0"/>
+              <a:t> </a:t>
+            </a:r>
+            <a:r>
+              <a:rPr lang="en-US" dirty="0" err="1"/>
+              <a:t>разработката</a:t>
+            </a:r>
+            <a:r>
+              <a:rPr lang="en-US" dirty="0"/>
+              <a:t> </a:t>
+            </a:r>
+            <a:r>
+              <a:rPr lang="en-US" dirty="0" err="1"/>
+              <a:t>на</a:t>
+            </a:r>
+            <a:r>
+              <a:rPr lang="en-US" dirty="0"/>
+              <a:t> </a:t>
+            </a:r>
+            <a:r>
+              <a:rPr lang="en-US" dirty="0" err="1"/>
+              <a:t>софтуерния</a:t>
+            </a:r>
+            <a:r>
+              <a:rPr lang="en-US" dirty="0"/>
+              <a:t> </a:t>
+            </a:r>
+            <a:r>
+              <a:rPr lang="en-US" dirty="0" err="1"/>
+              <a:t>проект</a:t>
+            </a:r>
+            <a:r>
+              <a:rPr lang="en-US" dirty="0"/>
+              <a:t> и </a:t>
+            </a:r>
+            <a:r>
+              <a:rPr lang="en-US" dirty="0" err="1"/>
+              <a:t>проследяване</a:t>
+            </a:r>
+            <a:r>
+              <a:rPr lang="en-US" dirty="0"/>
+              <a:t> </a:t>
+            </a:r>
+            <a:r>
+              <a:rPr lang="en-US" dirty="0" err="1"/>
+              <a:t>на</a:t>
+            </a:r>
+            <a:r>
+              <a:rPr lang="en-US" dirty="0"/>
+              <a:t> </a:t>
+            </a:r>
+            <a:r>
+              <a:rPr lang="en-US" dirty="0" err="1"/>
+              <a:t>грешки</a:t>
+            </a:r>
+            <a:r>
+              <a:rPr lang="en-US" dirty="0"/>
+              <a:t>.</a:t>
+            </a:r>
+          </a:p>
+          <a:p>
+            <a:r>
+              <a:rPr lang="en-US" dirty="0"/>
+              <a:t>ECLIPSE – </a:t>
+            </a:r>
+            <a:r>
+              <a:rPr lang="en-US" dirty="0" err="1"/>
+              <a:t>среда</a:t>
+            </a:r>
+            <a:r>
+              <a:rPr lang="en-US" dirty="0"/>
+              <a:t> </a:t>
+            </a:r>
+            <a:r>
+              <a:rPr lang="en-US" dirty="0" err="1"/>
+              <a:t>за</a:t>
+            </a:r>
+            <a:r>
+              <a:rPr lang="en-US" dirty="0"/>
+              <a:t> </a:t>
+            </a:r>
+            <a:r>
+              <a:rPr lang="en-US" dirty="0" err="1"/>
+              <a:t>разработване</a:t>
+            </a:r>
+            <a:r>
+              <a:rPr lang="en-US" dirty="0"/>
+              <a:t> </a:t>
+            </a:r>
+            <a:r>
+              <a:rPr lang="en-US" dirty="0" err="1"/>
+              <a:t>на</a:t>
+            </a:r>
+            <a:r>
+              <a:rPr lang="en-US" dirty="0"/>
+              <a:t> </a:t>
+            </a:r>
+            <a:r>
+              <a:rPr lang="en-US" dirty="0" err="1"/>
+              <a:t>софтуер</a:t>
+            </a:r>
+            <a:r>
+              <a:rPr lang="en-US" dirty="0"/>
+              <a:t>.</a:t>
+            </a:r>
+          </a:p>
+          <a:p>
+            <a:r>
+              <a:rPr lang="en-US" dirty="0"/>
+              <a:t>GIT – </a:t>
+            </a:r>
+            <a:r>
+              <a:rPr lang="bg-BG" dirty="0"/>
+              <a:t>среда за паралелна работа по документи и програми, синхронизираща работата на всички членове на екипа</a:t>
+            </a:r>
+            <a:endParaRPr lang="en-US" dirty="0"/>
+          </a:p>
+        </p:txBody>
+      </p:sp>
+    </p:spTree>
+    <p:extLst>
+      <p:ext uri="{BB962C8B-B14F-4D97-AF65-F5344CB8AC3E}">
+        <p14:creationId xmlns:p14="http://schemas.microsoft.com/office/powerpoint/2010/main" val="542232233"/>
+      </p:ext>
+    </p:extLst>
+  </p:cSld>
+  <p:clrMapOvr>
+    <a:masterClrMapping/>
+  </p:clrMapOvr>
 </p:sld>
 </file>
 
@@ -21453,8 +22435,20 @@
                 <a:tableStyleId>{7DF18680-E054-41AD-8BC1-D1AEF772440D}</a:tableStyleId>
               </a:tblPr>
               <a:tblGrid>
-                <a:gridCol w="2348057"/>
-                <a:gridCol w="1511251"/>
+                <a:gridCol w="2348057">
+                  <a:extLst>
+                    <a:ext uri="{9D8B030D-6E8A-4147-A177-3AD203B41FA5}">
+                      <a16:colId xmlns:a16="http://schemas.microsoft.com/office/drawing/2014/main" val="20000"/>
+                    </a:ext>
+                  </a:extLst>
+                </a:gridCol>
+                <a:gridCol w="1511251">
+                  <a:extLst>
+                    <a:ext uri="{9D8B030D-6E8A-4147-A177-3AD203B41FA5}">
+                      <a16:colId xmlns:a16="http://schemas.microsoft.com/office/drawing/2014/main" val="20001"/>
+                    </a:ext>
+                  </a:extLst>
+                </a:gridCol>
               </a:tblGrid>
               <a:tr h="440494">
                 <a:tc>
@@ -21485,6 +22479,11 @@
                   </a:txBody>
                   <a:tcPr/>
                 </a:tc>
+                <a:extLst>
+                  <a:ext uri="{0D108BD9-81ED-4DB2-BD59-A6C34878D82A}">
+                    <a16:rowId xmlns:a16="http://schemas.microsoft.com/office/drawing/2014/main" val="10000"/>
+                  </a:ext>
+                </a:extLst>
               </a:tr>
               <a:tr h="440494">
                 <a:tc>
@@ -21515,6 +22514,11 @@
                   </a:txBody>
                   <a:tcPr/>
                 </a:tc>
+                <a:extLst>
+                  <a:ext uri="{0D108BD9-81ED-4DB2-BD59-A6C34878D82A}">
+                    <a16:rowId xmlns:a16="http://schemas.microsoft.com/office/drawing/2014/main" val="10001"/>
+                  </a:ext>
+                </a:extLst>
               </a:tr>
               <a:tr h="440494">
                 <a:tc>
@@ -21545,6 +22549,11 @@
                   </a:txBody>
                   <a:tcPr/>
                 </a:tc>
+                <a:extLst>
+                  <a:ext uri="{0D108BD9-81ED-4DB2-BD59-A6C34878D82A}">
+                    <a16:rowId xmlns:a16="http://schemas.microsoft.com/office/drawing/2014/main" val="10002"/>
+                  </a:ext>
+                </a:extLst>
               </a:tr>
               <a:tr h="440494">
                 <a:tc>
@@ -21575,6 +22584,11 @@
                   </a:txBody>
                   <a:tcPr/>
                 </a:tc>
+                <a:extLst>
+                  <a:ext uri="{0D108BD9-81ED-4DB2-BD59-A6C34878D82A}">
+                    <a16:rowId xmlns:a16="http://schemas.microsoft.com/office/drawing/2014/main" val="10003"/>
+                  </a:ext>
+                </a:extLst>
               </a:tr>
               <a:tr h="440494">
                 <a:tc>
@@ -21605,6 +22619,11 @@
                   </a:txBody>
                   <a:tcPr/>
                 </a:tc>
+                <a:extLst>
+                  <a:ext uri="{0D108BD9-81ED-4DB2-BD59-A6C34878D82A}">
+                    <a16:rowId xmlns:a16="http://schemas.microsoft.com/office/drawing/2014/main" val="10004"/>
+                  </a:ext>
+                </a:extLst>
               </a:tr>
               <a:tr h="440494">
                 <a:tc>
@@ -21635,6 +22654,11 @@
                   </a:txBody>
                   <a:tcPr/>
                 </a:tc>
+                <a:extLst>
+                  <a:ext uri="{0D108BD9-81ED-4DB2-BD59-A6C34878D82A}">
+                    <a16:rowId xmlns:a16="http://schemas.microsoft.com/office/drawing/2014/main" val="10005"/>
+                  </a:ext>
+                </a:extLst>
               </a:tr>
               <a:tr h="440494">
                 <a:tc>
@@ -21665,6 +22689,11 @@
                   </a:txBody>
                   <a:tcPr/>
                 </a:tc>
+                <a:extLst>
+                  <a:ext uri="{0D108BD9-81ED-4DB2-BD59-A6C34878D82A}">
+                    <a16:rowId xmlns:a16="http://schemas.microsoft.com/office/drawing/2014/main" val="10006"/>
+                  </a:ext>
+                </a:extLst>
               </a:tr>
             </a:tbl>
           </a:graphicData>
@@ -21695,8 +22724,20 @@
                 <a:tableStyleId>{7DF18680-E054-41AD-8BC1-D1AEF772440D}</a:tableStyleId>
               </a:tblPr>
               <a:tblGrid>
-                <a:gridCol w="1731926"/>
-                <a:gridCol w="2127382"/>
+                <a:gridCol w="1731926">
+                  <a:extLst>
+                    <a:ext uri="{9D8B030D-6E8A-4147-A177-3AD203B41FA5}">
+                      <a16:colId xmlns:a16="http://schemas.microsoft.com/office/drawing/2014/main" val="20000"/>
+                    </a:ext>
+                  </a:extLst>
+                </a:gridCol>
+                <a:gridCol w="2127382">
+                  <a:extLst>
+                    <a:ext uri="{9D8B030D-6E8A-4147-A177-3AD203B41FA5}">
+                      <a16:colId xmlns:a16="http://schemas.microsoft.com/office/drawing/2014/main" val="20001"/>
+                    </a:ext>
+                  </a:extLst>
+                </a:gridCol>
               </a:tblGrid>
               <a:tr h="328279">
                 <a:tc>
@@ -21727,6 +22768,11 @@
                   </a:txBody>
                   <a:tcPr/>
                 </a:tc>
+                <a:extLst>
+                  <a:ext uri="{0D108BD9-81ED-4DB2-BD59-A6C34878D82A}">
+                    <a16:rowId xmlns:a16="http://schemas.microsoft.com/office/drawing/2014/main" val="10000"/>
+                  </a:ext>
+                </a:extLst>
               </a:tr>
               <a:tr h="328279">
                 <a:tc>
@@ -21757,6 +22803,11 @@
                   </a:txBody>
                   <a:tcPr/>
                 </a:tc>
+                <a:extLst>
+                  <a:ext uri="{0D108BD9-81ED-4DB2-BD59-A6C34878D82A}">
+                    <a16:rowId xmlns:a16="http://schemas.microsoft.com/office/drawing/2014/main" val="10001"/>
+                  </a:ext>
+                </a:extLst>
               </a:tr>
             </a:tbl>
           </a:graphicData>
